--- a/Negation-Aware BERT Fine-Tuning.pptx
+++ b/Negation-Aware BERT Fine-Tuning.pptx
@@ -5,7 +5,7 @@
     <p:sldMasterId id="2147483739" r:id="rId1"/>
   </p:sldMasterIdLst>
   <p:notesMasterIdLst>
-    <p:notesMasterId r:id="rId11"/>
+    <p:notesMasterId r:id="rId12"/>
   </p:notesMasterIdLst>
   <p:sldIdLst>
     <p:sldId id="256" r:id="rId2"/>
@@ -16,7 +16,8 @@
     <p:sldId id="261" r:id="rId7"/>
     <p:sldId id="265" r:id="rId8"/>
     <p:sldId id="264" r:id="rId9"/>
-    <p:sldId id="262" r:id="rId10"/>
+    <p:sldId id="266" r:id="rId10"/>
+    <p:sldId id="262" r:id="rId11"/>
   </p:sldIdLst>
   <p:sldSz cx="12192000" cy="6858000"/>
   <p:notesSz cx="6858000" cy="9144000"/>
@@ -685,15 +686,7 @@
             </a:pPr>
             <a:r>
               <a:rPr lang="en-US" dirty="0"/>
-              <a:t>Note: LLM results </a:t>
-            </a:r>
-            <a:r>
-              <a:rPr lang="en-US" dirty="0" err="1"/>
-              <a:t>achived</a:t>
-            </a:r>
-            <a:r>
-              <a:rPr lang="en-US" dirty="0"/>
-              <a:t> significant accuracy improvement over baseline with </a:t>
+              <a:t>Note: LLM results achieved significant accuracy improvement over baseline with </a:t>
             </a:r>
             <a:r>
               <a:rPr lang="en-US" dirty="0" err="1"/>
@@ -733,6 +726,125 @@
     <p:extLst>
       <p:ext uri="{BB962C8B-B14F-4D97-AF65-F5344CB8AC3E}">
         <p14:creationId xmlns:p14="http://schemas.microsoft.com/office/powerpoint/2010/main" val="1739382663"/>
+      </p:ext>
+    </p:extLst>
+  </p:cSld>
+  <p:clrMapOvr>
+    <a:masterClrMapping/>
+  </p:clrMapOvr>
+</p:notes>
+</file>
+
+<file path=ppt/notesSlides/notesSlide3.xml><?xml version="1.0" encoding="utf-8"?>
+<p:notes xmlns:a="http://schemas.openxmlformats.org/drawingml/2006/main" xmlns:r="http://schemas.openxmlformats.org/officeDocument/2006/relationships" xmlns:p="http://schemas.openxmlformats.org/presentationml/2006/main">
+  <p:cSld>
+    <p:spTree>
+      <p:nvGrpSpPr>
+        <p:cNvPr id="1" name="">
+          <a:extLst>
+            <a:ext uri="{FF2B5EF4-FFF2-40B4-BE49-F238E27FC236}">
+              <a16:creationId xmlns:a16="http://schemas.microsoft.com/office/drawing/2014/main" id="{63AA92AE-1B6F-0DD3-A5EF-4AAEBBD32177}"/>
+            </a:ext>
+          </a:extLst>
+        </p:cNvPr>
+        <p:cNvGrpSpPr/>
+        <p:nvPr/>
+      </p:nvGrpSpPr>
+      <p:grpSpPr>
+        <a:xfrm>
+          <a:off x="0" y="0"/>
+          <a:ext cx="0" cy="0"/>
+          <a:chOff x="0" y="0"/>
+          <a:chExt cx="0" cy="0"/>
+        </a:xfrm>
+      </p:grpSpPr>
+      <p:sp>
+        <p:nvSpPr>
+          <p:cNvPr id="2" name="Slide Image Placeholder 1">
+            <a:extLst>
+              <a:ext uri="{FF2B5EF4-FFF2-40B4-BE49-F238E27FC236}">
+                <a16:creationId xmlns:a16="http://schemas.microsoft.com/office/drawing/2014/main" id="{C8A8E696-2A20-781A-DF75-93D0AF04E4BE}"/>
+              </a:ext>
+            </a:extLst>
+          </p:cNvPr>
+          <p:cNvSpPr>
+            <a:spLocks noGrp="1" noRot="1" noChangeAspect="1"/>
+          </p:cNvSpPr>
+          <p:nvPr>
+            <p:ph type="sldImg"/>
+          </p:nvPr>
+        </p:nvSpPr>
+        <p:spPr/>
+      </p:sp>
+      <p:sp>
+        <p:nvSpPr>
+          <p:cNvPr id="3" name="Notes Placeholder 2">
+            <a:extLst>
+              <a:ext uri="{FF2B5EF4-FFF2-40B4-BE49-F238E27FC236}">
+                <a16:creationId xmlns:a16="http://schemas.microsoft.com/office/drawing/2014/main" id="{E43C7724-9D81-9E96-B2E5-6967270FC711}"/>
+              </a:ext>
+            </a:extLst>
+          </p:cNvPr>
+          <p:cNvSpPr>
+            <a:spLocks noGrp="1"/>
+          </p:cNvSpPr>
+          <p:nvPr>
+            <p:ph type="body" idx="1"/>
+          </p:nvPr>
+        </p:nvSpPr>
+        <p:spPr/>
+        <p:txBody>
+          <a:bodyPr/>
+          <a:lstStyle/>
+          <a:p>
+            <a:r>
+              <a:rPr lang="en-US" dirty="0"/>
+              <a:t>Time: </a:t>
+            </a:r>
+            <a:r>
+              <a:rPr lang="he-IL" dirty="0"/>
+              <a:t>7</a:t>
+            </a:r>
+            <a:r>
+              <a:rPr lang="en-US" dirty="0"/>
+              <a:t>h end-to-end compared to days to weeks for a BERT base pre-training.</a:t>
+            </a:r>
+          </a:p>
+        </p:txBody>
+      </p:sp>
+      <p:sp>
+        <p:nvSpPr>
+          <p:cNvPr id="4" name="Slide Number Placeholder 3">
+            <a:extLst>
+              <a:ext uri="{FF2B5EF4-FFF2-40B4-BE49-F238E27FC236}">
+                <a16:creationId xmlns:a16="http://schemas.microsoft.com/office/drawing/2014/main" id="{8B4B0CBA-3BC5-60DE-2DE5-09F64A6863F8}"/>
+              </a:ext>
+            </a:extLst>
+          </p:cNvPr>
+          <p:cNvSpPr>
+            <a:spLocks noGrp="1"/>
+          </p:cNvSpPr>
+          <p:nvPr>
+            <p:ph type="sldNum" sz="quarter" idx="5"/>
+          </p:nvPr>
+        </p:nvSpPr>
+        <p:spPr/>
+        <p:txBody>
+          <a:bodyPr/>
+          <a:lstStyle/>
+          <a:p>
+            <a:fld id="{EF3C7AB7-063F-494D-AE86-B6C5FC0B5A13}" type="slidenum">
+              <a:rPr lang="en-US" smtClean="0"/>
+              <a:t>9</a:t>
+            </a:fld>
+            <a:endParaRPr lang="en-US"/>
+          </a:p>
+        </p:txBody>
+      </p:sp>
+    </p:spTree>
+    <p:extLst>
+      <p:ext uri="{BB962C8B-B14F-4D97-AF65-F5344CB8AC3E}">
+        <p14:creationId xmlns:p14="http://schemas.microsoft.com/office/powerpoint/2010/main" val="905287158"/>
       </p:ext>
     </p:extLst>
   </p:cSld>
@@ -4728,6 +4840,365 @@
 </p:sld>
 </file>
 
+<file path=ppt/slides/slide10.xml><?xml version="1.0" encoding="utf-8"?>
+<p:sld xmlns:a="http://schemas.openxmlformats.org/drawingml/2006/main" xmlns:r="http://schemas.openxmlformats.org/officeDocument/2006/relationships" xmlns:p="http://schemas.openxmlformats.org/presentationml/2006/main">
+  <p:cSld>
+    <p:spTree>
+      <p:nvGrpSpPr>
+        <p:cNvPr id="1" name="">
+          <a:extLst>
+            <a:ext uri="{FF2B5EF4-FFF2-40B4-BE49-F238E27FC236}">
+              <a16:creationId xmlns:a16="http://schemas.microsoft.com/office/drawing/2014/main" id="{F0F40A1F-A310-4C1C-CFBF-58CA25C11C1A}"/>
+            </a:ext>
+          </a:extLst>
+        </p:cNvPr>
+        <p:cNvGrpSpPr/>
+        <p:nvPr/>
+      </p:nvGrpSpPr>
+      <p:grpSpPr>
+        <a:xfrm>
+          <a:off x="0" y="0"/>
+          <a:ext cx="0" cy="0"/>
+          <a:chOff x="0" y="0"/>
+          <a:chExt cx="0" cy="0"/>
+        </a:xfrm>
+      </p:grpSpPr>
+      <p:sp>
+        <p:nvSpPr>
+          <p:cNvPr id="8" name="Slide Number Placeholder 7">
+            <a:extLst>
+              <a:ext uri="{FF2B5EF4-FFF2-40B4-BE49-F238E27FC236}">
+                <a16:creationId xmlns:a16="http://schemas.microsoft.com/office/drawing/2014/main" id="{F2870B4A-2FEC-C7F3-63E4-7E6C3F126FED}"/>
+              </a:ext>
+            </a:extLst>
+          </p:cNvPr>
+          <p:cNvSpPr>
+            <a:spLocks noGrp="1"/>
+          </p:cNvSpPr>
+          <p:nvPr>
+            <p:ph type="sldNum" sz="quarter" idx="12"/>
+          </p:nvPr>
+        </p:nvSpPr>
+        <p:spPr/>
+        <p:txBody>
+          <a:bodyPr/>
+          <a:lstStyle/>
+          <a:p>
+            <a:fld id="{57871EFB-7B9E-4E86-A89E-697E8EBB06F2}" type="slidenum">
+              <a:rPr lang="en-US" smtClean="0"/>
+              <a:t>10</a:t>
+            </a:fld>
+            <a:endParaRPr lang="en-US"/>
+          </a:p>
+        </p:txBody>
+      </p:sp>
+      <p:sp>
+        <p:nvSpPr>
+          <p:cNvPr id="10" name="Title 9">
+            <a:extLst>
+              <a:ext uri="{FF2B5EF4-FFF2-40B4-BE49-F238E27FC236}">
+                <a16:creationId xmlns:a16="http://schemas.microsoft.com/office/drawing/2014/main" id="{C8BFE648-B00B-65EC-4352-576815DF7DCA}"/>
+              </a:ext>
+            </a:extLst>
+          </p:cNvPr>
+          <p:cNvSpPr>
+            <a:spLocks noGrp="1"/>
+          </p:cNvSpPr>
+          <p:nvPr>
+            <p:ph type="title"/>
+          </p:nvPr>
+        </p:nvSpPr>
+        <p:spPr>
+          <a:xfrm>
+            <a:off x="894603" y="1035605"/>
+            <a:ext cx="10133678" cy="2080413"/>
+          </a:xfrm>
+        </p:spPr>
+        <p:txBody>
+          <a:bodyPr>
+            <a:normAutofit fontScale="90000"/>
+          </a:bodyPr>
+          <a:lstStyle/>
+          <a:p>
+            <a:pPr algn="ctr"/>
+            <a:r>
+              <a:rPr lang="en-US" sz="13800" b="1" dirty="0"/>
+              <a:t>Thank You</a:t>
+            </a:r>
+          </a:p>
+        </p:txBody>
+      </p:sp>
+      <p:sp>
+        <p:nvSpPr>
+          <p:cNvPr id="11" name="Rectangle 10">
+            <a:extLst>
+              <a:ext uri="{FF2B5EF4-FFF2-40B4-BE49-F238E27FC236}">
+                <a16:creationId xmlns:a16="http://schemas.microsoft.com/office/drawing/2014/main" id="{197881D2-41E4-D624-BAE1-3D84EA24C1FB}"/>
+              </a:ext>
+            </a:extLst>
+          </p:cNvPr>
+          <p:cNvSpPr/>
+          <p:nvPr/>
+        </p:nvSpPr>
+        <p:spPr>
+          <a:xfrm>
+            <a:off x="1971721" y="4864089"/>
+            <a:ext cx="10953253" cy="790170"/>
+          </a:xfrm>
+          <a:prstGeom prst="rect">
+            <a:avLst/>
+          </a:prstGeom>
+          <a:solidFill>
+            <a:srgbClr val="262626"/>
+          </a:solidFill>
+          <a:ln>
+            <a:noFill/>
+          </a:ln>
+        </p:spPr>
+        <p:style>
+          <a:lnRef idx="2">
+            <a:schemeClr val="accent1">
+              <a:shade val="15000"/>
+            </a:schemeClr>
+          </a:lnRef>
+          <a:fillRef idx="1">
+            <a:schemeClr val="accent1"/>
+          </a:fillRef>
+          <a:effectRef idx="0">
+            <a:schemeClr val="accent1"/>
+          </a:effectRef>
+          <a:fontRef idx="minor">
+            <a:schemeClr val="lt1"/>
+          </a:fontRef>
+        </p:style>
+        <p:txBody>
+          <a:bodyPr rtlCol="0" anchor="ctr"/>
+          <a:lstStyle/>
+          <a:p>
+            <a:pPr algn="ctr"/>
+            <a:endParaRPr lang="en-US"/>
+          </a:p>
+        </p:txBody>
+      </p:sp>
+      <p:pic>
+        <p:nvPicPr>
+          <p:cNvPr id="12" name="Picture 11" descr="BERT for Dummies: State-of-the-art Model from Google | by Skillcate AI |  Medium">
+            <a:extLst>
+              <a:ext uri="{FF2B5EF4-FFF2-40B4-BE49-F238E27FC236}">
+                <a16:creationId xmlns:a16="http://schemas.microsoft.com/office/drawing/2014/main" id="{ECDF977F-A340-17F6-774B-6604E2B7D797}"/>
+              </a:ext>
+            </a:extLst>
+          </p:cNvPr>
+          <p:cNvPicPr>
+            <a:picLocks noChangeAspect="1" noChangeArrowheads="1"/>
+          </p:cNvPicPr>
+          <p:nvPr/>
+        </p:nvPicPr>
+        <p:blipFill>
+          <a:blip r:embed="rId2">
+            <a:extLst>
+              <a:ext uri="{28A0092B-C50C-407E-A947-70E740481C1C}">
+                <a14:useLocalDpi xmlns:a14="http://schemas.microsoft.com/office/drawing/2010/main" val="0"/>
+              </a:ext>
+            </a:extLst>
+          </a:blip>
+          <a:srcRect l="24877" t="5526" r="24787" b="5585"/>
+          <a:stretch>
+            <a:fillRect/>
+          </a:stretch>
+        </p:blipFill>
+        <p:spPr bwMode="auto">
+          <a:xfrm>
+            <a:off x="4699088" y="3314521"/>
+            <a:ext cx="2524707" cy="2507874"/>
+          </a:xfrm>
+          <a:custGeom>
+            <a:avLst/>
+            <a:gdLst>
+              <a:gd name="connsiteX0" fmla="*/ 2301343 w 4602686"/>
+              <a:gd name="connsiteY0" fmla="*/ 0 h 4572000"/>
+              <a:gd name="connsiteX1" fmla="*/ 4602686 w 4602686"/>
+              <a:gd name="connsiteY1" fmla="*/ 2286000 h 4572000"/>
+              <a:gd name="connsiteX2" fmla="*/ 2301343 w 4602686"/>
+              <a:gd name="connsiteY2" fmla="*/ 4572000 h 4572000"/>
+              <a:gd name="connsiteX3" fmla="*/ 0 w 4602686"/>
+              <a:gd name="connsiteY3" fmla="*/ 2286000 h 4572000"/>
+              <a:gd name="connsiteX4" fmla="*/ 2301343 w 4602686"/>
+              <a:gd name="connsiteY4" fmla="*/ 0 h 4572000"/>
+            </a:gdLst>
+            <a:ahLst/>
+            <a:cxnLst>
+              <a:cxn ang="0">
+                <a:pos x="connsiteX0" y="connsiteY0"/>
+              </a:cxn>
+              <a:cxn ang="0">
+                <a:pos x="connsiteX1" y="connsiteY1"/>
+              </a:cxn>
+              <a:cxn ang="0">
+                <a:pos x="connsiteX2" y="connsiteY2"/>
+              </a:cxn>
+              <a:cxn ang="0">
+                <a:pos x="connsiteX3" y="connsiteY3"/>
+              </a:cxn>
+              <a:cxn ang="0">
+                <a:pos x="connsiteX4" y="connsiteY4"/>
+              </a:cxn>
+            </a:cxnLst>
+            <a:rect l="l" t="t" r="r" b="b"/>
+            <a:pathLst>
+              <a:path w="4602686" h="4572000">
+                <a:moveTo>
+                  <a:pt x="2301343" y="0"/>
+                </a:moveTo>
+                <a:cubicBezTo>
+                  <a:pt x="3572340" y="0"/>
+                  <a:pt x="4602686" y="1023477"/>
+                  <a:pt x="4602686" y="2286000"/>
+                </a:cubicBezTo>
+                <a:cubicBezTo>
+                  <a:pt x="4602686" y="3548523"/>
+                  <a:pt x="3572340" y="4572000"/>
+                  <a:pt x="2301343" y="4572000"/>
+                </a:cubicBezTo>
+                <a:cubicBezTo>
+                  <a:pt x="1030346" y="4572000"/>
+                  <a:pt x="0" y="3548523"/>
+                  <a:pt x="0" y="2286000"/>
+                </a:cubicBezTo>
+                <a:cubicBezTo>
+                  <a:pt x="0" y="1023477"/>
+                  <a:pt x="1030346" y="0"/>
+                  <a:pt x="2301343" y="0"/>
+                </a:cubicBezTo>
+                <a:close/>
+              </a:path>
+            </a:pathLst>
+          </a:custGeom>
+          <a:noFill/>
+          <a:extLst>
+            <a:ext uri="{909E8E84-426E-40DD-AFC4-6F175D3DCCD1}">
+              <a14:hiddenFill xmlns:a14="http://schemas.microsoft.com/office/drawing/2010/main">
+                <a:solidFill>
+                  <a:srgbClr val="FFFFFF"/>
+                </a:solidFill>
+              </a14:hiddenFill>
+            </a:ext>
+          </a:extLst>
+        </p:spPr>
+      </p:pic>
+      <p:pic>
+        <p:nvPicPr>
+          <p:cNvPr id="5" name="Picture 4">
+            <a:extLst>
+              <a:ext uri="{FF2B5EF4-FFF2-40B4-BE49-F238E27FC236}">
+                <a16:creationId xmlns:a16="http://schemas.microsoft.com/office/drawing/2014/main" id="{CCFE23A3-44BD-1C00-A0C5-9C0F0CAC4963}"/>
+              </a:ext>
+            </a:extLst>
+          </p:cNvPr>
+          <p:cNvPicPr>
+            <a:picLocks noChangeAspect="1"/>
+          </p:cNvPicPr>
+          <p:nvPr/>
+        </p:nvPicPr>
+        <p:blipFill>
+          <a:blip r:embed="rId3"/>
+          <a:stretch>
+            <a:fillRect/>
+          </a:stretch>
+        </p:blipFill>
+        <p:spPr>
+          <a:xfrm rot="1398184">
+            <a:off x="-3487414" y="4858141"/>
+            <a:ext cx="2721519" cy="2721519"/>
+          </a:xfrm>
+          <a:prstGeom prst="rect">
+            <a:avLst/>
+          </a:prstGeom>
+        </p:spPr>
+      </p:pic>
+    </p:spTree>
+    <p:extLst>
+      <p:ext uri="{BB962C8B-B14F-4D97-AF65-F5344CB8AC3E}">
+        <p14:creationId xmlns:p14="http://schemas.microsoft.com/office/powerpoint/2010/main" val="3529521285"/>
+      </p:ext>
+    </p:extLst>
+  </p:cSld>
+  <p:clrMapOvr>
+    <a:masterClrMapping/>
+  </p:clrMapOvr>
+  <p:timing>
+    <p:tnLst>
+      <p:par>
+        <p:cTn id="1" dur="indefinite" restart="never" nodeType="tmRoot">
+          <p:childTnLst>
+            <p:seq concurrent="1" nextAc="seek">
+              <p:cTn id="2" dur="indefinite" nodeType="mainSeq">
+                <p:childTnLst>
+                  <p:par>
+                    <p:cTn id="3" fill="hold">
+                      <p:stCondLst>
+                        <p:cond delay="indefinite"/>
+                      </p:stCondLst>
+                      <p:childTnLst>
+                        <p:par>
+                          <p:cTn id="4" fill="hold">
+                            <p:stCondLst>
+                              <p:cond delay="0"/>
+                            </p:stCondLst>
+                            <p:childTnLst>
+                              <p:par>
+                                <p:cTn id="5" presetID="37" presetClass="path" presetSubtype="0" accel="50000" decel="50000" fill="hold" nodeType="clickEffect">
+                                  <p:stCondLst>
+                                    <p:cond delay="0"/>
+                                  </p:stCondLst>
+                                  <p:childTnLst>
+                                    <p:animMotion origin="layout" path="M -0.075 0.12477 L 0.23425 0.06019 C 0.29909 0.04769 0.39323 0.01111 0.49011 -0.03819 C 0.60052 -0.09444 0.68711 -0.15023 0.74557 -0.20069 L 1.02787 -0.4375 " pathEditMode="relative" rAng="20640000" ptsTypes="AAAAA">
+                                      <p:cBhvr>
+                                        <p:cTn id="6" dur="2000" fill="hold"/>
+                                        <p:tgtEl>
+                                          <p:spTgt spid="5"/>
+                                        </p:tgtEl>
+                                        <p:attrNameLst>
+                                          <p:attrName>ppt_x</p:attrName>
+                                          <p:attrName>ppt_y</p:attrName>
+                                        </p:attrNameLst>
+                                      </p:cBhvr>
+                                      <p:rCtr x="56068" y="-22338"/>
+                                    </p:animMotion>
+                                  </p:childTnLst>
+                                </p:cTn>
+                              </p:par>
+                            </p:childTnLst>
+                          </p:cTn>
+                        </p:par>
+                      </p:childTnLst>
+                    </p:cTn>
+                  </p:par>
+                </p:childTnLst>
+              </p:cTn>
+              <p:prevCondLst>
+                <p:cond evt="onPrev" delay="0">
+                  <p:tgtEl>
+                    <p:sldTgt/>
+                  </p:tgtEl>
+                </p:cond>
+              </p:prevCondLst>
+              <p:nextCondLst>
+                <p:cond evt="onNext" delay="0">
+                  <p:tgtEl>
+                    <p:sldTgt/>
+                  </p:tgtEl>
+                </p:cond>
+              </p:nextCondLst>
+            </p:seq>
+          </p:childTnLst>
+        </p:cTn>
+      </p:par>
+    </p:tnLst>
+  </p:timing>
+</p:sld>
+</file>
+
 <file path=ppt/slides/slide2.xml><?xml version="1.0" encoding="utf-8"?>
 <p:sld xmlns:a="http://schemas.openxmlformats.org/drawingml/2006/main" xmlns:r="http://schemas.openxmlformats.org/officeDocument/2006/relationships" xmlns:p="http://schemas.openxmlformats.org/presentationml/2006/main">
   <p:cSld>
@@ -7923,7 +8394,7 @@
         <p:cNvPr id="1" name="">
           <a:extLst>
             <a:ext uri="{FF2B5EF4-FFF2-40B4-BE49-F238E27FC236}">
-              <a16:creationId xmlns:a16="http://schemas.microsoft.com/office/drawing/2014/main" id="{F0F40A1F-A310-4C1C-CFBF-58CA25C11C1A}"/>
+              <a16:creationId xmlns:a16="http://schemas.microsoft.com/office/drawing/2014/main" id="{FDFDEF0C-AC6C-DEEE-BD93-C7409BDE0BFB}"/>
             </a:ext>
           </a:extLst>
         </p:cNvPr>
@@ -7940,39 +8411,10 @@
       </p:grpSpPr>
       <p:sp>
         <p:nvSpPr>
-          <p:cNvPr id="8" name="Slide Number Placeholder 7">
-            <a:extLst>
-              <a:ext uri="{FF2B5EF4-FFF2-40B4-BE49-F238E27FC236}">
-                <a16:creationId xmlns:a16="http://schemas.microsoft.com/office/drawing/2014/main" id="{F2870B4A-2FEC-C7F3-63E4-7E6C3F126FED}"/>
-              </a:ext>
-            </a:extLst>
-          </p:cNvPr>
-          <p:cNvSpPr>
-            <a:spLocks noGrp="1"/>
-          </p:cNvSpPr>
-          <p:nvPr>
-            <p:ph type="sldNum" sz="quarter" idx="12"/>
-          </p:nvPr>
-        </p:nvSpPr>
-        <p:spPr/>
-        <p:txBody>
-          <a:bodyPr/>
-          <a:lstStyle/>
-          <a:p>
-            <a:fld id="{57871EFB-7B9E-4E86-A89E-697E8EBB06F2}" type="slidenum">
-              <a:rPr lang="en-US" smtClean="0"/>
-              <a:t>9</a:t>
-            </a:fld>
-            <a:endParaRPr lang="en-US"/>
-          </a:p>
-        </p:txBody>
-      </p:sp>
-      <p:sp>
-        <p:nvSpPr>
-          <p:cNvPr id="10" name="Title 9">
-            <a:extLst>
-              <a:ext uri="{FF2B5EF4-FFF2-40B4-BE49-F238E27FC236}">
-                <a16:creationId xmlns:a16="http://schemas.microsoft.com/office/drawing/2014/main" id="{C8BFE648-B00B-65EC-4352-576815DF7DCA}"/>
+          <p:cNvPr id="2" name="Title 1">
+            <a:extLst>
+              <a:ext uri="{FF2B5EF4-FFF2-40B4-BE49-F238E27FC236}">
+                <a16:creationId xmlns:a16="http://schemas.microsoft.com/office/drawing/2014/main" id="{DE4B2248-E73F-DE5D-C5D6-8EC5AF090FC7}"/>
               </a:ext>
             </a:extLst>
           </p:cNvPr>
@@ -7985,186 +8427,318 @@
         </p:nvSpPr>
         <p:spPr>
           <a:xfrm>
-            <a:off x="894603" y="1035605"/>
-            <a:ext cx="10133678" cy="2080413"/>
+            <a:off x="1969948" y="165697"/>
+            <a:ext cx="9339971" cy="888397"/>
           </a:xfrm>
         </p:spPr>
         <p:txBody>
           <a:bodyPr>
-            <a:normAutofit fontScale="90000"/>
+            <a:normAutofit/>
           </a:bodyPr>
           <a:lstStyle/>
           <a:p>
-            <a:pPr algn="ctr"/>
-            <a:r>
-              <a:rPr lang="en-US" sz="13800" b="1" dirty="0"/>
-              <a:t>Thank You</a:t>
-            </a:r>
-          </a:p>
-        </p:txBody>
-      </p:sp>
-      <p:sp>
-        <p:nvSpPr>
-          <p:cNvPr id="11" name="Rectangle 10">
-            <a:extLst>
-              <a:ext uri="{FF2B5EF4-FFF2-40B4-BE49-F238E27FC236}">
-                <a16:creationId xmlns:a16="http://schemas.microsoft.com/office/drawing/2014/main" id="{197881D2-41E4-D624-BAE1-3D84EA24C1FB}"/>
-              </a:ext>
-            </a:extLst>
-          </p:cNvPr>
-          <p:cNvSpPr/>
+            <a:r>
+              <a:rPr lang="en-US" b="1" dirty="0">
+                <a:latin typeface="Calibri" panose="020F0502020204030204" pitchFamily="34" charset="0"/>
+                <a:ea typeface="Calibri" panose="020F0502020204030204" pitchFamily="34" charset="0"/>
+                <a:cs typeface="Calibri" panose="020F0502020204030204" pitchFamily="34" charset="0"/>
+              </a:rPr>
+              <a:t>Next Steps</a:t>
+            </a:r>
+          </a:p>
+        </p:txBody>
+      </p:sp>
+      <p:cxnSp>
+        <p:nvCxnSpPr>
+          <p:cNvPr id="5" name="Straight Connector 4">
+            <a:extLst>
+              <a:ext uri="{FF2B5EF4-FFF2-40B4-BE49-F238E27FC236}">
+                <a16:creationId xmlns:a16="http://schemas.microsoft.com/office/drawing/2014/main" id="{20A6A8E7-4F47-8460-C1A7-CF414115E4CF}"/>
+              </a:ext>
+            </a:extLst>
+          </p:cNvPr>
+          <p:cNvCxnSpPr>
+            <a:cxnSpLocks/>
+          </p:cNvCxnSpPr>
           <p:nvPr/>
-        </p:nvSpPr>
+        </p:nvCxnSpPr>
         <p:spPr>
           <a:xfrm>
-            <a:off x="484816" y="5566180"/>
-            <a:ext cx="10953253" cy="790170"/>
-          </a:xfrm>
-          <a:prstGeom prst="rect">
+            <a:off x="913582" y="1171422"/>
+            <a:ext cx="10364835" cy="0"/>
+          </a:xfrm>
+          <a:prstGeom prst="line">
             <a:avLst/>
           </a:prstGeom>
-          <a:solidFill>
-            <a:srgbClr val="262626"/>
-          </a:solidFill>
-          <a:ln>
-            <a:noFill/>
+          <a:ln w="38100">
+            <a:solidFill>
+              <a:schemeClr val="tx2"/>
+            </a:solidFill>
           </a:ln>
         </p:spPr>
         <p:style>
-          <a:lnRef idx="2">
-            <a:schemeClr val="accent1">
-              <a:shade val="15000"/>
-            </a:schemeClr>
+          <a:lnRef idx="1">
+            <a:schemeClr val="accent1"/>
           </a:lnRef>
-          <a:fillRef idx="1">
+          <a:fillRef idx="0">
             <a:schemeClr val="accent1"/>
           </a:fillRef>
           <a:effectRef idx="0">
             <a:schemeClr val="accent1"/>
           </a:effectRef>
           <a:fontRef idx="minor">
-            <a:schemeClr val="lt1"/>
+            <a:schemeClr val="tx1"/>
           </a:fontRef>
         </p:style>
-        <p:txBody>
-          <a:bodyPr rtlCol="0" anchor="ctr"/>
-          <a:lstStyle/>
-          <a:p>
-            <a:pPr algn="ctr"/>
+      </p:cxnSp>
+      <p:sp>
+        <p:nvSpPr>
+          <p:cNvPr id="8" name="Slide Number Placeholder 7">
+            <a:extLst>
+              <a:ext uri="{FF2B5EF4-FFF2-40B4-BE49-F238E27FC236}">
+                <a16:creationId xmlns:a16="http://schemas.microsoft.com/office/drawing/2014/main" id="{B67445F0-F725-364D-C3DE-EF642E88D37E}"/>
+              </a:ext>
+            </a:extLst>
+          </p:cNvPr>
+          <p:cNvSpPr>
+            <a:spLocks noGrp="1"/>
+          </p:cNvSpPr>
+          <p:nvPr>
+            <p:ph type="sldNum" sz="quarter" idx="12"/>
+          </p:nvPr>
+        </p:nvSpPr>
+        <p:spPr/>
+        <p:txBody>
+          <a:bodyPr/>
+          <a:lstStyle/>
+          <a:p>
+            <a:fld id="{57871EFB-7B9E-4E86-A89E-697E8EBB06F2}" type="slidenum">
+              <a:rPr lang="en-US" smtClean="0"/>
+              <a:t>9</a:t>
+            </a:fld>
             <a:endParaRPr lang="en-US"/>
+          </a:p>
+        </p:txBody>
+      </p:sp>
+      <p:sp>
+        <p:nvSpPr>
+          <p:cNvPr id="10" name="Content Placeholder 9">
+            <a:extLst>
+              <a:ext uri="{FF2B5EF4-FFF2-40B4-BE49-F238E27FC236}">
+                <a16:creationId xmlns:a16="http://schemas.microsoft.com/office/drawing/2014/main" id="{5E92A477-CC5D-F4F3-9985-BBFB05096068}"/>
+              </a:ext>
+            </a:extLst>
+          </p:cNvPr>
+          <p:cNvSpPr>
+            <a:spLocks noGrp="1"/>
+          </p:cNvSpPr>
+          <p:nvPr>
+            <p:ph idx="1"/>
+          </p:nvPr>
+        </p:nvSpPr>
+        <p:spPr>
+          <a:xfrm>
+            <a:off x="1021270" y="2359234"/>
+            <a:ext cx="10149457" cy="3855823"/>
+          </a:xfrm>
+        </p:spPr>
+        <p:txBody>
+          <a:bodyPr>
+            <a:normAutofit/>
+          </a:bodyPr>
+          <a:lstStyle/>
+          <a:p>
+            <a:pPr>
+              <a:lnSpc>
+                <a:spcPct val="250000"/>
+              </a:lnSpc>
+            </a:pPr>
+            <a:r>
+              <a:rPr lang="en-US" b="1" dirty="0">
+                <a:solidFill>
+                  <a:srgbClr val="9FD7EE"/>
+                </a:solidFill>
+                <a:latin typeface="Calibri" panose="020F0502020204030204" pitchFamily="34" charset="0"/>
+                <a:ea typeface="Calibri" panose="020F0502020204030204" pitchFamily="34" charset="0"/>
+                <a:cs typeface="Calibri" panose="020F0502020204030204" pitchFamily="34" charset="0"/>
+              </a:rPr>
+              <a:t>Better SQuAD Augmentation: </a:t>
+            </a:r>
+            <a:r>
+              <a:rPr lang="en-US" dirty="0">
+                <a:latin typeface="Calibri" panose="020F0502020204030204" pitchFamily="34" charset="0"/>
+                <a:ea typeface="Calibri" panose="020F0502020204030204" pitchFamily="34" charset="0"/>
+                <a:cs typeface="Calibri" panose="020F0502020204030204" pitchFamily="34" charset="0"/>
+              </a:rPr>
+              <a:t>Tighter augmentation may yield better results (potentially combined with the LLM augmentation). </a:t>
+            </a:r>
+          </a:p>
+          <a:p>
+            <a:pPr>
+              <a:lnSpc>
+                <a:spcPct val="250000"/>
+              </a:lnSpc>
+            </a:pPr>
+            <a:r>
+              <a:rPr lang="en-US" b="1" dirty="0">
+                <a:solidFill>
+                  <a:srgbClr val="9FD7EE"/>
+                </a:solidFill>
+                <a:latin typeface="Calibri" panose="020F0502020204030204" pitchFamily="34" charset="0"/>
+                <a:ea typeface="Calibri" panose="020F0502020204030204" pitchFamily="34" charset="0"/>
+                <a:cs typeface="Calibri" panose="020F0502020204030204" pitchFamily="34" charset="0"/>
+              </a:rPr>
+              <a:t>Additional Baseline Models: </a:t>
+            </a:r>
+            <a:r>
+              <a:rPr lang="en-US" dirty="0">
+                <a:latin typeface="Calibri" panose="020F0502020204030204" pitchFamily="34" charset="0"/>
+                <a:ea typeface="Calibri" panose="020F0502020204030204" pitchFamily="34" charset="0"/>
+                <a:cs typeface="Calibri" panose="020F0502020204030204" pitchFamily="34" charset="0"/>
+              </a:rPr>
+              <a:t>RoBERTa maybe?</a:t>
+            </a:r>
+          </a:p>
+          <a:p>
+            <a:pPr>
+              <a:lnSpc>
+                <a:spcPct val="250000"/>
+              </a:lnSpc>
+            </a:pPr>
+            <a:r>
+              <a:rPr lang="en-US" b="1" dirty="0">
+                <a:solidFill>
+                  <a:srgbClr val="9FD7EE"/>
+                </a:solidFill>
+                <a:latin typeface="Calibri" panose="020F0502020204030204" pitchFamily="34" charset="0"/>
+                <a:ea typeface="Calibri" panose="020F0502020204030204" pitchFamily="34" charset="0"/>
+                <a:cs typeface="Calibri" panose="020F0502020204030204" pitchFamily="34" charset="0"/>
+              </a:rPr>
+              <a:t>Additional Tasks: </a:t>
+            </a:r>
+            <a:r>
+              <a:rPr lang="en-US" dirty="0">
+                <a:latin typeface="Calibri" panose="020F0502020204030204" pitchFamily="34" charset="0"/>
+                <a:ea typeface="Calibri" panose="020F0502020204030204" pitchFamily="34" charset="0"/>
+                <a:cs typeface="Calibri" panose="020F0502020204030204" pitchFamily="34" charset="0"/>
+              </a:rPr>
+              <a:t>Attempting the same augmentation methods on purely QA tasks</a:t>
+            </a:r>
           </a:p>
         </p:txBody>
       </p:sp>
       <p:pic>
         <p:nvPicPr>
-          <p:cNvPr id="12" name="Picture 11" descr="BERT for Dummies: State-of-the-art Model from Google | by Skillcate AI |  Medium">
-            <a:extLst>
-              <a:ext uri="{FF2B5EF4-FFF2-40B4-BE49-F238E27FC236}">
-                <a16:creationId xmlns:a16="http://schemas.microsoft.com/office/drawing/2014/main" id="{ECDF977F-A340-17F6-774B-6604E2B7D797}"/>
+          <p:cNvPr id="7" name="Picture 6">
+            <a:extLst>
+              <a:ext uri="{FF2B5EF4-FFF2-40B4-BE49-F238E27FC236}">
+                <a16:creationId xmlns:a16="http://schemas.microsoft.com/office/drawing/2014/main" id="{410AA220-6EE7-38D3-D814-3AD782044BBF}"/>
               </a:ext>
             </a:extLst>
           </p:cNvPr>
           <p:cNvPicPr>
-            <a:picLocks noChangeAspect="1" noChangeArrowheads="1"/>
+            <a:picLocks noChangeAspect="1"/>
           </p:cNvPicPr>
           <p:nvPr/>
         </p:nvPicPr>
         <p:blipFill>
-          <a:blip r:embed="rId2">
+          <a:blip r:embed="rId3">
             <a:extLst>
               <a:ext uri="{28A0092B-C50C-407E-A947-70E740481C1C}">
                 <a14:useLocalDpi xmlns:a14="http://schemas.microsoft.com/office/drawing/2010/main" val="0"/>
               </a:ext>
             </a:extLst>
           </a:blip>
-          <a:srcRect l="24877" t="5526" r="24787" b="5585"/>
           <a:stretch>
             <a:fillRect/>
           </a:stretch>
         </p:blipFill>
-        <p:spPr bwMode="auto">
-          <a:xfrm>
-            <a:off x="4699088" y="3314521"/>
-            <a:ext cx="2524707" cy="2507874"/>
-          </a:xfrm>
-          <a:custGeom>
+        <p:spPr>
+          <a:xfrm>
+            <a:off x="1014611" y="189660"/>
+            <a:ext cx="840470" cy="840470"/>
+          </a:xfrm>
+          <a:prstGeom prst="rect">
             <a:avLst/>
-            <a:gdLst>
-              <a:gd name="connsiteX0" fmla="*/ 2301343 w 4602686"/>
-              <a:gd name="connsiteY0" fmla="*/ 0 h 4572000"/>
-              <a:gd name="connsiteX1" fmla="*/ 4602686 w 4602686"/>
-              <a:gd name="connsiteY1" fmla="*/ 2286000 h 4572000"/>
-              <a:gd name="connsiteX2" fmla="*/ 2301343 w 4602686"/>
-              <a:gd name="connsiteY2" fmla="*/ 4572000 h 4572000"/>
-              <a:gd name="connsiteX3" fmla="*/ 0 w 4602686"/>
-              <a:gd name="connsiteY3" fmla="*/ 2286000 h 4572000"/>
-              <a:gd name="connsiteX4" fmla="*/ 2301343 w 4602686"/>
-              <a:gd name="connsiteY4" fmla="*/ 0 h 4572000"/>
-            </a:gdLst>
-            <a:ahLst/>
-            <a:cxnLst>
-              <a:cxn ang="0">
-                <a:pos x="connsiteX0" y="connsiteY0"/>
-              </a:cxn>
-              <a:cxn ang="0">
-                <a:pos x="connsiteX1" y="connsiteY1"/>
-              </a:cxn>
-              <a:cxn ang="0">
-                <a:pos x="connsiteX2" y="connsiteY2"/>
-              </a:cxn>
-              <a:cxn ang="0">
-                <a:pos x="connsiteX3" y="connsiteY3"/>
-              </a:cxn>
-              <a:cxn ang="0">
-                <a:pos x="connsiteX4" y="connsiteY4"/>
-              </a:cxn>
-            </a:cxnLst>
-            <a:rect l="l" t="t" r="r" b="b"/>
-            <a:pathLst>
-              <a:path w="4602686" h="4572000">
-                <a:moveTo>
-                  <a:pt x="2301343" y="0"/>
-                </a:moveTo>
-                <a:cubicBezTo>
-                  <a:pt x="3572340" y="0"/>
-                  <a:pt x="4602686" y="1023477"/>
-                  <a:pt x="4602686" y="2286000"/>
-                </a:cubicBezTo>
-                <a:cubicBezTo>
-                  <a:pt x="4602686" y="3548523"/>
-                  <a:pt x="3572340" y="4572000"/>
-                  <a:pt x="2301343" y="4572000"/>
-                </a:cubicBezTo>
-                <a:cubicBezTo>
-                  <a:pt x="1030346" y="4572000"/>
-                  <a:pt x="0" y="3548523"/>
-                  <a:pt x="0" y="2286000"/>
-                </a:cubicBezTo>
-                <a:cubicBezTo>
-                  <a:pt x="0" y="1023477"/>
-                  <a:pt x="1030346" y="0"/>
-                  <a:pt x="2301343" y="0"/>
-                </a:cubicBezTo>
-                <a:close/>
-              </a:path>
-            </a:pathLst>
-          </a:custGeom>
+          </a:prstGeom>
+        </p:spPr>
+      </p:pic>
+      <p:sp>
+        <p:nvSpPr>
+          <p:cNvPr id="14" name="TextBox 13">
+            <a:extLst>
+              <a:ext uri="{FF2B5EF4-FFF2-40B4-BE49-F238E27FC236}">
+                <a16:creationId xmlns:a16="http://schemas.microsoft.com/office/drawing/2014/main" id="{8243757F-4F23-4979-EC82-A5A5699C9D4F}"/>
+              </a:ext>
+            </a:extLst>
+          </p:cNvPr>
+          <p:cNvSpPr txBox="1"/>
+          <p:nvPr/>
+        </p:nvSpPr>
+        <p:spPr>
+          <a:xfrm>
+            <a:off x="1128960" y="1642805"/>
+            <a:ext cx="9650556" cy="646331"/>
+          </a:xfrm>
+          <a:prstGeom prst="rect">
+            <a:avLst/>
+          </a:prstGeom>
           <a:noFill/>
-          <a:extLst>
-            <a:ext uri="{909E8E84-426E-40DD-AFC4-6F175D3DCCD1}">
-              <a14:hiddenFill xmlns:a14="http://schemas.microsoft.com/office/drawing/2010/main">
+        </p:spPr>
+        <p:txBody>
+          <a:bodyPr wrap="square">
+            <a:spAutoFit/>
+          </a:bodyPr>
+          <a:lstStyle/>
+          <a:p>
+            <a:r>
+              <a:rPr lang="en-US" sz="3600" b="1" u="sng" dirty="0">
                 <a:solidFill>
-                  <a:srgbClr val="FFFFFF"/>
+                  <a:schemeClr val="tx2"/>
                 </a:solidFill>
-              </a14:hiddenFill>
-            </a:ext>
-          </a:extLst>
-        </p:spPr>
-      </p:pic>
+                <a:latin typeface="Calibri" panose="020F0502020204030204" pitchFamily="34" charset="0"/>
+                <a:ea typeface="Calibri" panose="020F0502020204030204" pitchFamily="34" charset="0"/>
+                <a:cs typeface="Calibri" panose="020F0502020204030204" pitchFamily="34" charset="0"/>
+              </a:rPr>
+              <a:t>So,</a:t>
+            </a:r>
+            <a:r>
+              <a:rPr lang="en-US" sz="3600" b="1" dirty="0">
+                <a:solidFill>
+                  <a:schemeClr val="tx2"/>
+                </a:solidFill>
+                <a:latin typeface="Calibri" panose="020F0502020204030204" pitchFamily="34" charset="0"/>
+                <a:ea typeface="Calibri" panose="020F0502020204030204" pitchFamily="34" charset="0"/>
+                <a:cs typeface="Calibri" panose="020F0502020204030204" pitchFamily="34" charset="0"/>
+              </a:rPr>
+              <a:t> </a:t>
+            </a:r>
+            <a:r>
+              <a:rPr lang="en-US" sz="2000" b="1" dirty="0">
+                <a:solidFill>
+                  <a:schemeClr val="tx2"/>
+                </a:solidFill>
+                <a:latin typeface="Calibri" panose="020F0502020204030204" pitchFamily="34" charset="0"/>
+                <a:ea typeface="Calibri" panose="020F0502020204030204" pitchFamily="34" charset="0"/>
+                <a:cs typeface="Calibri" panose="020F0502020204030204" pitchFamily="34" charset="0"/>
+              </a:rPr>
+              <a:t>fine-tuning is not a bad alternative to heavy, expensive and complex pre-train, is it?</a:t>
+            </a:r>
+            <a:endParaRPr lang="en-IL" sz="2000" b="1" dirty="0">
+              <a:solidFill>
+                <a:schemeClr val="tx2"/>
+              </a:solidFill>
+              <a:latin typeface="Calibri" panose="020F0502020204030204" pitchFamily="34" charset="0"/>
+              <a:ea typeface="Calibri" panose="020F0502020204030204" pitchFamily="34" charset="0"/>
+              <a:cs typeface="Calibri" panose="020F0502020204030204" pitchFamily="34" charset="0"/>
+            </a:endParaRPr>
+          </a:p>
+        </p:txBody>
+      </p:sp>
     </p:spTree>
     <p:extLst>
       <p:ext uri="{BB962C8B-B14F-4D97-AF65-F5344CB8AC3E}">
-        <p14:creationId xmlns:p14="http://schemas.microsoft.com/office/powerpoint/2010/main" val="3529521285"/>
+        <p14:creationId xmlns:p14="http://schemas.microsoft.com/office/powerpoint/2010/main" val="520838914"/>
       </p:ext>
     </p:extLst>
   </p:cSld>

--- a/Negation-Aware BERT Fine-Tuning.pptx
+++ b/Negation-Aware BERT Fine-Tuning.pptx
@@ -7069,7 +7069,7 @@
           <a:p>
             <a:pPr marL="788670" lvl="2" indent="-285750"/>
             <a:r>
-              <a:rPr lang="en-US" dirty="0">
+              <a:rPr lang="en-US" u="sng" dirty="0">
                 <a:latin typeface="Calibri" panose="020F0502020204030204" pitchFamily="34" charset="0"/>
                 <a:ea typeface="Calibri" panose="020F0502020204030204" pitchFamily="34" charset="0"/>
                 <a:cs typeface="Calibri" panose="020F0502020204030204" pitchFamily="34" charset="0"/>
@@ -7241,7 +7241,7 @@
           <a:p>
             <a:pPr marL="788670" lvl="2" indent="-285750"/>
             <a:r>
-              <a:rPr lang="en-US" dirty="0">
+              <a:rPr lang="en-US" u="sng" dirty="0">
                 <a:latin typeface="Calibri" panose="020F0502020204030204" pitchFamily="34" charset="0"/>
                 <a:ea typeface="Calibri" panose="020F0502020204030204" pitchFamily="34" charset="0"/>
                 <a:cs typeface="Calibri" panose="020F0502020204030204" pitchFamily="34" charset="0"/>
@@ -8538,7 +8538,7 @@
         </p:nvSpPr>
         <p:spPr>
           <a:xfrm>
-            <a:off x="1021270" y="2359234"/>
+            <a:off x="1160462" y="2683089"/>
             <a:ext cx="10149457" cy="3855823"/>
           </a:xfrm>
         </p:spPr>
@@ -8678,7 +8678,7 @@
         <p:spPr>
           <a:xfrm>
             <a:off x="1128960" y="1642805"/>
-            <a:ext cx="9650556" cy="646331"/>
+            <a:ext cx="9650556" cy="1261884"/>
           </a:xfrm>
           <a:prstGeom prst="rect">
             <a:avLst/>
@@ -8724,7 +8724,30 @@
               </a:rPr>
               <a:t>fine-tuning is not a bad alternative to heavy, expensive and complex pre-train, is it?</a:t>
             </a:r>
-            <a:endParaRPr lang="en-IL" sz="2000" b="1" dirty="0">
+          </a:p>
+          <a:p>
+            <a:endParaRPr lang="en-US" sz="2000" b="1" dirty="0">
+              <a:solidFill>
+                <a:schemeClr val="tx2"/>
+              </a:solidFill>
+              <a:latin typeface="Calibri" panose="020F0502020204030204" pitchFamily="34" charset="0"/>
+              <a:ea typeface="Calibri" panose="020F0502020204030204" pitchFamily="34" charset="0"/>
+              <a:cs typeface="Calibri" panose="020F0502020204030204" pitchFamily="34" charset="0"/>
+            </a:endParaRPr>
+          </a:p>
+          <a:p>
+            <a:r>
+              <a:rPr lang="en-US" sz="2000" b="1" u="sng" dirty="0">
+                <a:solidFill>
+                  <a:schemeClr val="tx2"/>
+                </a:solidFill>
+                <a:latin typeface="Calibri" panose="020F0502020204030204" pitchFamily="34" charset="0"/>
+                <a:ea typeface="Calibri" panose="020F0502020204030204" pitchFamily="34" charset="0"/>
+                <a:cs typeface="Calibri" panose="020F0502020204030204" pitchFamily="34" charset="0"/>
+              </a:rPr>
+              <a:t>Next:</a:t>
+            </a:r>
+            <a:endParaRPr lang="en-IL" sz="2000" b="1" u="sng" dirty="0">
               <a:solidFill>
                 <a:schemeClr val="tx2"/>
               </a:solidFill>
